--- a/Slides/5. Day 4 - DI.pptx
+++ b/Slides/5. Day 4 - DI.pptx
@@ -10420,7 +10420,7 @@
             <a:fld id="{B61BEF0D-F0BB-DE4B-95CE-6DB70DBA9567}" type="datetimeFigureOut">
               <a:rPr lang="en-US" dirty="0"/>
               <a:pPr/>
-              <a:t>5/31/2025</a:t>
+              <a:t>6/1/2025</a:t>
             </a:fld>
             <a:endParaRPr lang="en-US" dirty="0"/>
           </a:p>
@@ -10682,7 +10682,7 @@
             <a:fld id="{B61BEF0D-F0BB-DE4B-95CE-6DB70DBA9567}" type="datetimeFigureOut">
               <a:rPr lang="en-US" dirty="0"/>
               <a:pPr/>
-              <a:t>5/31/2025</a:t>
+              <a:t>6/1/2025</a:t>
             </a:fld>
             <a:endParaRPr lang="en-US" dirty="0"/>
           </a:p>
@@ -11007,7 +11007,7 @@
             <a:fld id="{B61BEF0D-F0BB-DE4B-95CE-6DB70DBA9567}" type="datetimeFigureOut">
               <a:rPr lang="en-US" dirty="0"/>
               <a:pPr/>
-              <a:t>5/31/2025</a:t>
+              <a:t>6/1/2025</a:t>
             </a:fld>
             <a:endParaRPr lang="en-US" dirty="0"/>
           </a:p>
@@ -11359,7 +11359,7 @@
             <a:fld id="{B61BEF0D-F0BB-DE4B-95CE-6DB70DBA9567}" type="datetimeFigureOut">
               <a:rPr lang="en-US" dirty="0"/>
               <a:pPr/>
-              <a:t>5/31/2025</a:t>
+              <a:t>6/1/2025</a:t>
             </a:fld>
             <a:endParaRPr lang="en-US" dirty="0"/>
           </a:p>
@@ -11684,7 +11684,7 @@
             <a:fld id="{B61BEF0D-F0BB-DE4B-95CE-6DB70DBA9567}" type="datetimeFigureOut">
               <a:rPr lang="en-US" dirty="0"/>
               <a:pPr/>
-              <a:t>5/31/2025</a:t>
+              <a:t>6/1/2025</a:t>
             </a:fld>
             <a:endParaRPr lang="en-US" dirty="0"/>
           </a:p>
@@ -12088,7 +12088,7 @@
             <a:fld id="{B61BEF0D-F0BB-DE4B-95CE-6DB70DBA9567}" type="datetimeFigureOut">
               <a:rPr lang="en-US" dirty="0"/>
               <a:pPr/>
-              <a:t>5/31/2025</a:t>
+              <a:t>6/1/2025</a:t>
             </a:fld>
             <a:endParaRPr lang="en-US" dirty="0"/>
           </a:p>
@@ -12268,7 +12268,7 @@
           <a:p>
             <a:fld id="{55C6B4A9-1611-4792-9094-5F34BCA07E0B}" type="datetimeFigureOut">
               <a:rPr lang="en-US" dirty="0"/>
-              <a:t>5/31/2025</a:t>
+              <a:t>6/1/2025</a:t>
             </a:fld>
             <a:endParaRPr lang="en-US" dirty="0"/>
           </a:p>
@@ -12459,7 +12459,7 @@
             <a:fld id="{B61BEF0D-F0BB-DE4B-95CE-6DB70DBA9567}" type="datetimeFigureOut">
               <a:rPr lang="en-US" dirty="0"/>
               <a:pPr/>
-              <a:t>5/31/2025</a:t>
+              <a:t>6/1/2025</a:t>
             </a:fld>
             <a:endParaRPr lang="en-US" dirty="0"/>
           </a:p>
@@ -13013,7 +13013,7 @@
             <a:fld id="{B61BEF0D-F0BB-DE4B-95CE-6DB70DBA9567}" type="datetimeFigureOut">
               <a:rPr lang="en-US" dirty="0"/>
               <a:pPr/>
-              <a:t>5/31/2025</a:t>
+              <a:t>6/1/2025</a:t>
             </a:fld>
             <a:endParaRPr lang="en-US" dirty="0"/>
           </a:p>
@@ -13271,7 +13271,7 @@
             <a:fld id="{B61BEF0D-F0BB-DE4B-95CE-6DB70DBA9567}" type="datetimeFigureOut">
               <a:rPr lang="en-US" dirty="0"/>
               <a:pPr/>
-              <a:t>5/31/2025</a:t>
+              <a:t>6/1/2025</a:t>
             </a:fld>
             <a:endParaRPr lang="en-US" dirty="0"/>
           </a:p>
@@ -13513,7 +13513,7 @@
           <a:p>
             <a:fld id="{EB712588-04B1-427B-82EE-E8DB90309F08}" type="datetimeFigureOut">
               <a:rPr lang="en-US" dirty="0"/>
-              <a:t>5/31/2025</a:t>
+              <a:t>6/1/2025</a:t>
             </a:fld>
             <a:endParaRPr lang="en-US" dirty="0"/>
           </a:p>
@@ -13898,7 +13898,7 @@
             <a:fld id="{B61BEF0D-F0BB-DE4B-95CE-6DB70DBA9567}" type="datetimeFigureOut">
               <a:rPr lang="en-US" dirty="0"/>
               <a:pPr/>
-              <a:t>5/31/2025</a:t>
+              <a:t>6/1/2025</a:t>
             </a:fld>
             <a:endParaRPr lang="en-US" dirty="0"/>
           </a:p>
@@ -14032,7 +14032,7 @@
             <a:fld id="{B61BEF0D-F0BB-DE4B-95CE-6DB70DBA9567}" type="datetimeFigureOut">
               <a:rPr lang="en-US" dirty="0"/>
               <a:pPr/>
-              <a:t>5/31/2025</a:t>
+              <a:t>6/1/2025</a:t>
             </a:fld>
             <a:endParaRPr lang="en-US" dirty="0"/>
           </a:p>
@@ -14138,7 +14138,7 @@
             <a:fld id="{B61BEF0D-F0BB-DE4B-95CE-6DB70DBA9567}" type="datetimeFigureOut">
               <a:rPr lang="en-US" dirty="0"/>
               <a:pPr/>
-              <a:t>5/31/2025</a:t>
+              <a:t>6/1/2025</a:t>
             </a:fld>
             <a:endParaRPr lang="en-US" dirty="0"/>
           </a:p>
@@ -14402,7 +14402,7 @@
           <a:p>
             <a:fld id="{42A54C80-263E-416B-A8E0-580EDEADCBDC}" type="datetimeFigureOut">
               <a:rPr lang="en-US" dirty="0"/>
-              <a:t>5/31/2025</a:t>
+              <a:t>6/1/2025</a:t>
             </a:fld>
             <a:endParaRPr lang="en-US" dirty="0"/>
           </a:p>
@@ -14676,7 +14676,7 @@
             <a:fld id="{B61BEF0D-F0BB-DE4B-95CE-6DB70DBA9567}" type="datetimeFigureOut">
               <a:rPr lang="en-US" dirty="0"/>
               <a:pPr/>
-              <a:t>5/31/2025</a:t>
+              <a:t>6/1/2025</a:t>
             </a:fld>
             <a:endParaRPr lang="en-US" dirty="0"/>
           </a:p>
@@ -15430,7 +15430,7 @@
             <a:fld id="{B61BEF0D-F0BB-DE4B-95CE-6DB70DBA9567}" type="datetimeFigureOut">
               <a:rPr lang="en-US" dirty="0"/>
               <a:pPr/>
-              <a:t>5/31/2025</a:t>
+              <a:t>6/1/2025</a:t>
             </a:fld>
             <a:endParaRPr lang="en-US" dirty="0"/>
           </a:p>
@@ -18894,6 +18894,283 @@
   <p:clrMapOvr>
     <a:masterClrMapping/>
   </p:clrMapOvr>
+  <p:timing>
+    <p:tnLst>
+      <p:par>
+        <p:cTn id="1" dur="indefinite" restart="never" nodeType="tmRoot">
+          <p:childTnLst>
+            <p:seq concurrent="1" nextAc="seek">
+              <p:cTn id="2" dur="indefinite" nodeType="mainSeq">
+                <p:childTnLst>
+                  <p:par>
+                    <p:cTn id="3" fill="hold">
+                      <p:stCondLst>
+                        <p:cond delay="indefinite"/>
+                      </p:stCondLst>
+                      <p:childTnLst>
+                        <p:par>
+                          <p:cTn id="4" fill="hold">
+                            <p:stCondLst>
+                              <p:cond delay="0"/>
+                            </p:stCondLst>
+                            <p:childTnLst>
+                              <p:par>
+                                <p:cTn id="5" presetID="1" presetClass="entr" presetSubtype="0" fill="hold" grpId="0" nodeType="clickEffect">
+                                  <p:stCondLst>
+                                    <p:cond delay="0"/>
+                                  </p:stCondLst>
+                                  <p:childTnLst>
+                                    <p:set>
+                                      <p:cBhvr>
+                                        <p:cTn id="6" dur="1" fill="hold">
+                                          <p:stCondLst>
+                                            <p:cond delay="0"/>
+                                          </p:stCondLst>
+                                        </p:cTn>
+                                        <p:tgtEl>
+                                          <p:spTgt spid="75">
+                                            <p:graphicEl>
+                                              <a:dgm id="{0BA6512E-5847-4425-84F9-DB012C6450D8}"/>
+                                            </p:graphicEl>
+                                          </p:spTgt>
+                                        </p:tgtEl>
+                                        <p:attrNameLst>
+                                          <p:attrName>style.visibility</p:attrName>
+                                        </p:attrNameLst>
+                                      </p:cBhvr>
+                                      <p:to>
+                                        <p:strVal val="visible"/>
+                                      </p:to>
+                                    </p:set>
+                                  </p:childTnLst>
+                                </p:cTn>
+                              </p:par>
+                              <p:par>
+                                <p:cTn id="7" presetID="1" presetClass="entr" presetSubtype="0" fill="hold" grpId="0" nodeType="withEffect">
+                                  <p:stCondLst>
+                                    <p:cond delay="0"/>
+                                  </p:stCondLst>
+                                  <p:childTnLst>
+                                    <p:set>
+                                      <p:cBhvr>
+                                        <p:cTn id="8" dur="1" fill="hold">
+                                          <p:stCondLst>
+                                            <p:cond delay="0"/>
+                                          </p:stCondLst>
+                                        </p:cTn>
+                                        <p:tgtEl>
+                                          <p:spTgt spid="75">
+                                            <p:graphicEl>
+                                              <a:dgm id="{D1FB6B59-DC90-4521-B9D2-1FF8C40D875C}"/>
+                                            </p:graphicEl>
+                                          </p:spTgt>
+                                        </p:tgtEl>
+                                        <p:attrNameLst>
+                                          <p:attrName>style.visibility</p:attrName>
+                                        </p:attrNameLst>
+                                      </p:cBhvr>
+                                      <p:to>
+                                        <p:strVal val="visible"/>
+                                      </p:to>
+                                    </p:set>
+                                  </p:childTnLst>
+                                </p:cTn>
+                              </p:par>
+                            </p:childTnLst>
+                          </p:cTn>
+                        </p:par>
+                      </p:childTnLst>
+                    </p:cTn>
+                  </p:par>
+                  <p:par>
+                    <p:cTn id="9" fill="hold">
+                      <p:stCondLst>
+                        <p:cond delay="indefinite"/>
+                      </p:stCondLst>
+                      <p:childTnLst>
+                        <p:par>
+                          <p:cTn id="10" fill="hold">
+                            <p:stCondLst>
+                              <p:cond delay="0"/>
+                            </p:stCondLst>
+                            <p:childTnLst>
+                              <p:par>
+                                <p:cTn id="11" presetID="1" presetClass="entr" presetSubtype="0" fill="hold" grpId="0" nodeType="clickEffect">
+                                  <p:stCondLst>
+                                    <p:cond delay="0"/>
+                                  </p:stCondLst>
+                                  <p:childTnLst>
+                                    <p:set>
+                                      <p:cBhvr>
+                                        <p:cTn id="12" dur="1" fill="hold">
+                                          <p:stCondLst>
+                                            <p:cond delay="0"/>
+                                          </p:stCondLst>
+                                        </p:cTn>
+                                        <p:tgtEl>
+                                          <p:spTgt spid="75">
+                                            <p:graphicEl>
+                                              <a:dgm id="{2F4A962C-DA92-4CBC-85E8-B6D323AA658F}"/>
+                                            </p:graphicEl>
+                                          </p:spTgt>
+                                        </p:tgtEl>
+                                        <p:attrNameLst>
+                                          <p:attrName>style.visibility</p:attrName>
+                                        </p:attrNameLst>
+                                      </p:cBhvr>
+                                      <p:to>
+                                        <p:strVal val="visible"/>
+                                      </p:to>
+                                    </p:set>
+                                  </p:childTnLst>
+                                </p:cTn>
+                              </p:par>
+                              <p:par>
+                                <p:cTn id="13" presetID="1" presetClass="entr" presetSubtype="0" fill="hold" grpId="0" nodeType="withEffect">
+                                  <p:stCondLst>
+                                    <p:cond delay="0"/>
+                                  </p:stCondLst>
+                                  <p:childTnLst>
+                                    <p:set>
+                                      <p:cBhvr>
+                                        <p:cTn id="14" dur="1" fill="hold">
+                                          <p:stCondLst>
+                                            <p:cond delay="0"/>
+                                          </p:stCondLst>
+                                        </p:cTn>
+                                        <p:tgtEl>
+                                          <p:spTgt spid="75">
+                                            <p:graphicEl>
+                                              <a:dgm id="{5E9A0A9C-BDBC-49D2-8869-5C0309D4D893}"/>
+                                            </p:graphicEl>
+                                          </p:spTgt>
+                                        </p:tgtEl>
+                                        <p:attrNameLst>
+                                          <p:attrName>style.visibility</p:attrName>
+                                        </p:attrNameLst>
+                                      </p:cBhvr>
+                                      <p:to>
+                                        <p:strVal val="visible"/>
+                                      </p:to>
+                                    </p:set>
+                                  </p:childTnLst>
+                                </p:cTn>
+                              </p:par>
+                            </p:childTnLst>
+                          </p:cTn>
+                        </p:par>
+                      </p:childTnLst>
+                    </p:cTn>
+                  </p:par>
+                  <p:par>
+                    <p:cTn id="15" fill="hold">
+                      <p:stCondLst>
+                        <p:cond delay="indefinite"/>
+                      </p:stCondLst>
+                      <p:childTnLst>
+                        <p:par>
+                          <p:cTn id="16" fill="hold">
+                            <p:stCondLst>
+                              <p:cond delay="0"/>
+                            </p:stCondLst>
+                            <p:childTnLst>
+                              <p:par>
+                                <p:cTn id="17" presetID="1" presetClass="entr" presetSubtype="0" fill="hold" grpId="0" nodeType="clickEffect">
+                                  <p:stCondLst>
+                                    <p:cond delay="0"/>
+                                  </p:stCondLst>
+                                  <p:childTnLst>
+                                    <p:set>
+                                      <p:cBhvr>
+                                        <p:cTn id="18" dur="1" fill="hold">
+                                          <p:stCondLst>
+                                            <p:cond delay="0"/>
+                                          </p:stCondLst>
+                                        </p:cTn>
+                                        <p:tgtEl>
+                                          <p:spTgt spid="75">
+                                            <p:graphicEl>
+                                              <a:dgm id="{72EFEB30-609B-4078-A9C7-7400986B36F2}"/>
+                                            </p:graphicEl>
+                                          </p:spTgt>
+                                        </p:tgtEl>
+                                        <p:attrNameLst>
+                                          <p:attrName>style.visibility</p:attrName>
+                                        </p:attrNameLst>
+                                      </p:cBhvr>
+                                      <p:to>
+                                        <p:strVal val="visible"/>
+                                      </p:to>
+                                    </p:set>
+                                  </p:childTnLst>
+                                </p:cTn>
+                              </p:par>
+                              <p:par>
+                                <p:cTn id="19" presetID="1" presetClass="entr" presetSubtype="0" fill="hold" grpId="0" nodeType="withEffect">
+                                  <p:stCondLst>
+                                    <p:cond delay="0"/>
+                                  </p:stCondLst>
+                                  <p:childTnLst>
+                                    <p:set>
+                                      <p:cBhvr>
+                                        <p:cTn id="20" dur="1" fill="hold">
+                                          <p:stCondLst>
+                                            <p:cond delay="0"/>
+                                          </p:stCondLst>
+                                        </p:cTn>
+                                        <p:tgtEl>
+                                          <p:spTgt spid="75">
+                                            <p:graphicEl>
+                                              <a:dgm id="{C6648539-7DD6-48E0-B4D7-A7F705666CAB}"/>
+                                            </p:graphicEl>
+                                          </p:spTgt>
+                                        </p:tgtEl>
+                                        <p:attrNameLst>
+                                          <p:attrName>style.visibility</p:attrName>
+                                        </p:attrNameLst>
+                                      </p:cBhvr>
+                                      <p:to>
+                                        <p:strVal val="visible"/>
+                                      </p:to>
+                                    </p:set>
+                                  </p:childTnLst>
+                                </p:cTn>
+                              </p:par>
+                            </p:childTnLst>
+                          </p:cTn>
+                        </p:par>
+                      </p:childTnLst>
+                    </p:cTn>
+                  </p:par>
+                </p:childTnLst>
+              </p:cTn>
+              <p:prevCondLst>
+                <p:cond evt="onPrev" delay="0">
+                  <p:tgtEl>
+                    <p:sldTgt/>
+                  </p:tgtEl>
+                </p:cond>
+              </p:prevCondLst>
+              <p:nextCondLst>
+                <p:cond evt="onNext" delay="0">
+                  <p:tgtEl>
+                    <p:sldTgt/>
+                  </p:tgtEl>
+                </p:cond>
+              </p:nextCondLst>
+            </p:seq>
+          </p:childTnLst>
+        </p:cTn>
+      </p:par>
+    </p:tnLst>
+    <p:bldLst>
+      <p:bldGraphic spid="75" grpId="0">
+        <p:bldSub>
+          <a:bldDgm bld="one"/>
+        </p:bldSub>
+      </p:bldGraphic>
+    </p:bldLst>
+  </p:timing>
 </p:sld>
 </file>
 
